--- a/models-comp-comm/documents/process.pptx
+++ b/models-comp-comm/documents/process.pptx
@@ -10909,20 +10909,20 @@
               <a:buChar char="●"/>
             </a:pPr>
             <a:r>
-              <a:rPr lang="en"/>
+              <a:rPr lang="en" dirty="0"/>
               <a:t>Control of the computer moves through </a:t>
             </a:r>
             <a:br>
-              <a:rPr lang="en"/>
+              <a:rPr lang="en" dirty="0"/>
             </a:br>
             <a:r>
-              <a:rPr lang="en"/>
+              <a:rPr lang="en" dirty="0"/>
               <a:t>       a well-defined cycle</a:t>
             </a:r>
             <a:br>
-              <a:rPr lang="en"/>
+              <a:rPr lang="en" dirty="0"/>
             </a:br>
-            <a:endParaRPr/>
+            <a:endParaRPr dirty="0"/>
           </a:p>
           <a:p>
             <a:pPr marL="457200" lvl="0" indent="-342900" algn="l" rtl="0">
@@ -10936,10 +10936,10 @@
               <a:buChar char="●"/>
             </a:pPr>
             <a:r>
-              <a:rPr lang="en"/>
+              <a:rPr lang="en" dirty="0"/>
               <a:t>At any point in time, a single process is in control</a:t>
             </a:r>
-            <a:endParaRPr/>
+            <a:endParaRPr dirty="0"/>
           </a:p>
           <a:p>
             <a:pPr marL="914400" lvl="1" indent="-317500" algn="l" rtl="0">
@@ -10953,13 +10953,13 @@
               <a:buChar char="○"/>
             </a:pPr>
             <a:r>
-              <a:rPr lang="en"/>
+              <a:rPr lang="en" dirty="0"/>
               <a:t>loosely speaking a process is equivalent to a program</a:t>
             </a:r>
             <a:br>
-              <a:rPr lang="en"/>
+              <a:rPr lang="en" dirty="0"/>
             </a:br>
-            <a:endParaRPr/>
+            <a:endParaRPr dirty="0"/>
           </a:p>
           <a:p>
             <a:pPr marL="457200" lvl="0" indent="-342900" algn="l" rtl="0">
@@ -10973,10 +10973,10 @@
               <a:buChar char="●"/>
             </a:pPr>
             <a:r>
-              <a:rPr lang="en"/>
+              <a:rPr lang="en" dirty="0"/>
               <a:t>Transitions:</a:t>
             </a:r>
-            <a:endParaRPr/>
+            <a:endParaRPr dirty="0"/>
           </a:p>
           <a:p>
             <a:pPr marL="914400" lvl="1" indent="-317500" algn="l" rtl="0">
@@ -10990,10 +10990,10 @@
               <a:buChar char="○"/>
             </a:pPr>
             <a:r>
-              <a:rPr lang="en"/>
+              <a:rPr lang="en" dirty="0"/>
               <a:t>admit:		A request is made to allow your program to content for control</a:t>
             </a:r>
-            <a:endParaRPr/>
+            <a:endParaRPr dirty="0"/>
           </a:p>
           <a:p>
             <a:pPr marL="914400" lvl="1" indent="-317500" algn="l" rtl="0">
@@ -11007,10 +11007,10 @@
               <a:buChar char="○"/>
             </a:pPr>
             <a:r>
-              <a:rPr lang="en"/>
+              <a:rPr lang="en" dirty="0"/>
               <a:t>dispatch:		Your program is given control</a:t>
             </a:r>
-            <a:endParaRPr/>
+            <a:endParaRPr dirty="0"/>
           </a:p>
           <a:p>
             <a:pPr marL="914400" lvl="1" indent="-317500" algn="l" rtl="0">
@@ -11024,10 +11024,10 @@
               <a:buChar char="○"/>
             </a:pPr>
             <a:r>
-              <a:rPr lang="en"/>
-              <a:t>exit:			Your program asserts that it is done</a:t>
-            </a:r>
-            <a:endParaRPr/>
+              <a:rPr lang="en" dirty="0"/>
+              <a:t>exit:		Your program asserts that it is done</a:t>
+            </a:r>
+            <a:endParaRPr dirty="0"/>
           </a:p>
           <a:p>
             <a:pPr marL="914400" lvl="1" indent="-317500" algn="l" rtl="0">
@@ -11041,10 +11041,10 @@
               <a:buChar char="○"/>
             </a:pPr>
             <a:r>
-              <a:rPr lang="en"/>
+              <a:rPr lang="en" dirty="0"/>
               <a:t>interrupt:		The OS seizes control </a:t>
             </a:r>
-            <a:endParaRPr/>
+            <a:endParaRPr dirty="0"/>
           </a:p>
           <a:p>
             <a:pPr marL="914400" lvl="1" indent="-317500" algn="l" rtl="0">
@@ -11058,10 +11058,10 @@
               <a:buChar char="○"/>
             </a:pPr>
             <a:r>
-              <a:rPr lang="en"/>
-              <a:t>trap: 			Your program (implicitly or explicitly) requests a service to be performed</a:t>
-            </a:r>
-            <a:endParaRPr/>
+              <a:rPr lang="en" dirty="0"/>
+              <a:t>trap: 		Your program (implicitly or explicitly) requests a service to be performed</a:t>
+            </a:r>
+            <a:endParaRPr dirty="0"/>
           </a:p>
           <a:p>
             <a:pPr marL="914400" lvl="1" indent="-317500" algn="l" rtl="0">
@@ -11075,10 +11075,10 @@
               <a:buChar char="○"/>
             </a:pPr>
             <a:r>
-              <a:rPr lang="en"/>
-              <a:t>completion: 	The request is satisfied</a:t>
-            </a:r>
-            <a:endParaRPr/>
+              <a:rPr lang="en" dirty="0"/>
+              <a:t>completion: 		The request is satisfied</a:t>
+            </a:r>
+            <a:endParaRPr dirty="0"/>
           </a:p>
         </p:txBody>
       </p:sp>
@@ -11465,10 +11465,10 @@
               <a:buAutoNum type="arabicPeriod"/>
             </a:pPr>
             <a:r>
-              <a:rPr lang="en"/>
+              <a:rPr lang="en" dirty="0"/>
               <a:t>Invoke the program:</a:t>
             </a:r>
-            <a:endParaRPr/>
+            <a:endParaRPr dirty="0"/>
           </a:p>
           <a:p>
             <a:pPr marL="457200" lvl="0" indent="-342900" algn="l" rtl="0">
@@ -11482,10 +11482,10 @@
               <a:buAutoNum type="arabicPeriod"/>
             </a:pPr>
             <a:r>
-              <a:rPr lang="en"/>
+              <a:rPr lang="en" dirty="0"/>
               <a:t>Wait to use the CPU</a:t>
             </a:r>
-            <a:endParaRPr/>
+            <a:endParaRPr dirty="0"/>
           </a:p>
           <a:p>
             <a:pPr marL="457200" lvl="0" indent="-342900" algn="l" rtl="0">
@@ -11499,10 +11499,10 @@
               <a:buAutoNum type="arabicPeriod"/>
             </a:pPr>
             <a:r>
-              <a:rPr lang="en"/>
+              <a:rPr lang="en" dirty="0"/>
               <a:t>Execute for as long as you can -- Until</a:t>
             </a:r>
-            <a:endParaRPr/>
+            <a:endParaRPr dirty="0"/>
           </a:p>
           <a:p>
             <a:pPr marL="914400" lvl="1" indent="-317500" algn="l" rtl="0">
@@ -11516,10 +11516,10 @@
               <a:buChar char="○"/>
             </a:pPr>
             <a:r>
-              <a:rPr lang="en"/>
-              <a:t>(Exit)		You are done</a:t>
-            </a:r>
-            <a:endParaRPr/>
+              <a:rPr lang="en" dirty="0"/>
+              <a:t>(Exit)	You are done</a:t>
+            </a:r>
+            <a:endParaRPr dirty="0"/>
           </a:p>
           <a:p>
             <a:pPr marL="914400" lvl="1" indent="-317500" algn="l" rtl="0">
@@ -11533,10 +11533,10 @@
               <a:buChar char="○"/>
             </a:pPr>
             <a:r>
-              <a:rPr lang="en"/>
+              <a:rPr lang="en" dirty="0"/>
               <a:t>(Interrupt) 	You get interrupted by some outside force</a:t>
             </a:r>
-            <a:endParaRPr/>
+            <a:endParaRPr dirty="0"/>
           </a:p>
           <a:p>
             <a:pPr marL="914400" lvl="1" indent="-317500" algn="l" rtl="0">
@@ -11550,10 +11550,10 @@
               <a:buChar char="○"/>
             </a:pPr>
             <a:r>
-              <a:rPr lang="en"/>
+              <a:rPr lang="en" dirty="0"/>
               <a:t>(Trap) 	You need help because you made an error or you requested it</a:t>
             </a:r>
-            <a:endParaRPr/>
+            <a:endParaRPr dirty="0"/>
           </a:p>
           <a:p>
             <a:pPr marL="457200" lvl="0" indent="-342900" algn="l" rtl="0">
@@ -11567,10 +11567,18 @@
               <a:buAutoNum type="arabicPeriod"/>
             </a:pPr>
             <a:r>
-              <a:rPr lang="en"/>
-              <a:t>If you were interrupted, goto Step 2</a:t>
-            </a:r>
-            <a:endParaRPr/>
+              <a:rPr lang="en" dirty="0"/>
+              <a:t>If you were interrupted, </a:t>
+            </a:r>
+            <a:r>
+              <a:rPr lang="en" dirty="0" err="1"/>
+              <a:t>goto</a:t>
+            </a:r>
+            <a:r>
+              <a:rPr lang="en" dirty="0"/>
+              <a:t> Step 2</a:t>
+            </a:r>
+            <a:endParaRPr dirty="0"/>
           </a:p>
           <a:p>
             <a:pPr marL="457200" lvl="0" indent="-342900" algn="l" rtl="0">
@@ -11584,10 +11592,18 @@
               <a:buAutoNum type="arabicPeriod"/>
             </a:pPr>
             <a:r>
-              <a:rPr lang="en"/>
-              <a:t>If you trap, and then goto Step 2</a:t>
-            </a:r>
-            <a:endParaRPr/>
+              <a:rPr lang="en" dirty="0"/>
+              <a:t>If you trap, and then </a:t>
+            </a:r>
+            <a:r>
+              <a:rPr lang="en" dirty="0" err="1"/>
+              <a:t>goto</a:t>
+            </a:r>
+            <a:r>
+              <a:rPr lang="en" dirty="0"/>
+              <a:t> Step 2</a:t>
+            </a:r>
+            <a:endParaRPr dirty="0"/>
           </a:p>
           <a:p>
             <a:pPr marL="914400" lvl="1" indent="-317500" algn="l" rtl="0">
@@ -11601,10 +11617,10 @@
               <a:buChar char="○"/>
             </a:pPr>
             <a:r>
-              <a:rPr lang="en"/>
+              <a:rPr lang="en" dirty="0"/>
               <a:t>recover from the error, or</a:t>
             </a:r>
-            <a:endParaRPr/>
+            <a:endParaRPr dirty="0"/>
           </a:p>
           <a:p>
             <a:pPr marL="914400" lvl="1" indent="-317500" algn="l" rtl="0">
@@ -11618,10 +11634,10 @@
               <a:buChar char="○"/>
             </a:pPr>
             <a:r>
-              <a:rPr lang="en"/>
+              <a:rPr lang="en" dirty="0"/>
               <a:t>obtain the requested server</a:t>
             </a:r>
-            <a:endParaRPr/>
+            <a:endParaRPr dirty="0"/>
           </a:p>
           <a:p>
             <a:pPr marL="0" lvl="0" indent="0" algn="l" rtl="0">
@@ -11634,10 +11650,10 @@
               <a:buNone/>
             </a:pPr>
             <a:r>
-              <a:rPr lang="en"/>
+              <a:rPr lang="en" dirty="0"/>
               <a:t>Driving your Car from LA to Vegas</a:t>
             </a:r>
-            <a:endParaRPr/>
+            <a:endParaRPr dirty="0"/>
           </a:p>
         </p:txBody>
       </p:sp>

--- a/models-comp-comm/documents/process.pptx
+++ b/models-comp-comm/documents/process.pptx
@@ -1338,7 +1338,7 @@
               </a:spcAft>
               <a:buNone/>
             </a:pPr>
-            <a:endParaRPr/>
+            <a:endParaRPr dirty="0"/>
           </a:p>
         </p:txBody>
       </p:sp>
@@ -7867,10 +7867,14 @@
               <a:buNone/>
             </a:pPr>
             <a:r>
-              <a:rPr lang="en"/>
-              <a:t>argc:</a:t>
-            </a:r>
-            <a:endParaRPr/>
+              <a:rPr lang="en" dirty="0" err="1"/>
+              <a:t>argc</a:t>
+            </a:r>
+            <a:r>
+              <a:rPr lang="en" dirty="0"/>
+              <a:t>:</a:t>
+            </a:r>
+            <a:endParaRPr dirty="0"/>
           </a:p>
         </p:txBody>
       </p:sp>
@@ -10412,7 +10416,7 @@
             </a:pPr>
             <a:r>
               <a:rPr lang="en-US" sz="1300" dirty="0"/>
-              <a:t>?</a:t>
+              <a:t>0x0006</a:t>
             </a:r>
             <a:endParaRPr sz="1300" dirty="0"/>
           </a:p>
@@ -10991,7 +10995,7 @@
             </a:pPr>
             <a:r>
               <a:rPr lang="en" dirty="0"/>
-              <a:t>admit:		A request is made to allow your program to content for control</a:t>
+              <a:t>admit:		A request is made to allow your program to contend for control</a:t>
             </a:r>
             <a:endParaRPr dirty="0"/>
           </a:p>

--- a/models-comp-comm/documents/process.pptx
+++ b/models-comp-comm/documents/process.pptx
@@ -8805,10 +8805,10 @@
               <a:buChar char="●"/>
             </a:pPr>
             <a:r>
-              <a:rPr lang="en"/>
+              <a:rPr lang="en" dirty="0"/>
               <a:t>We all know what variables are, right!</a:t>
             </a:r>
-            <a:endParaRPr/>
+            <a:endParaRPr dirty="0"/>
           </a:p>
           <a:p>
             <a:pPr marL="457200" lvl="0" indent="-325755" algn="l" rtl="0">
@@ -8822,10 +8822,22 @@
               <a:buChar char="●"/>
             </a:pPr>
             <a:r>
-              <a:rPr lang="en"/>
-              <a:t>A variable has two values: a lval and a rval</a:t>
-            </a:r>
-            <a:endParaRPr/>
+              <a:rPr lang="en" dirty="0"/>
+              <a:t>A variable has two values: a </a:t>
+            </a:r>
+            <a:r>
+              <a:rPr lang="en" dirty="0" err="1"/>
+              <a:t>lval</a:t>
+            </a:r>
+            <a:r>
+              <a:rPr lang="en" dirty="0"/>
+              <a:t> and a </a:t>
+            </a:r>
+            <a:r>
+              <a:rPr lang="en" dirty="0" err="1"/>
+              <a:t>rval</a:t>
+            </a:r>
+            <a:endParaRPr dirty="0"/>
           </a:p>
           <a:p>
             <a:pPr marL="457200" lvl="0" indent="-325755" algn="l" rtl="0">
@@ -8839,10 +8851,10 @@
               <a:buChar char="●"/>
             </a:pPr>
             <a:r>
-              <a:rPr lang="en"/>
+              <a:rPr lang="en" dirty="0"/>
               <a:t>Consider the following assignment:</a:t>
             </a:r>
-            <a:endParaRPr/>
+            <a:endParaRPr dirty="0"/>
           </a:p>
           <a:p>
             <a:pPr marL="0" lvl="0" indent="0" algn="l" rtl="0">
@@ -8855,10 +8867,10 @@
               <a:buNone/>
             </a:pPr>
             <a:r>
-              <a:rPr lang="en"/>
+              <a:rPr lang="en" dirty="0"/>
               <a:t>		c = c + 1;</a:t>
             </a:r>
-            <a:endParaRPr/>
+            <a:endParaRPr dirty="0"/>
           </a:p>
           <a:p>
             <a:pPr marL="457200" lvl="0" indent="-325755" algn="l" rtl="0">
@@ -8872,10 +8884,26 @@
               <a:buChar char="●"/>
             </a:pPr>
             <a:r>
+              <a:rPr lang="en" dirty="0"/>
+              <a:t>The </a:t>
+            </a:r>
+            <a:r>
+              <a:rPr lang="en" dirty="0" err="1"/>
+              <a:t>lval</a:t>
+            </a:r>
+            <a:r>
+              <a:rPr lang="en" dirty="0"/>
+              <a:t> of c is </a:t>
+            </a:r>
+            <a:r>
               <a:rPr lang="en"/>
-              <a:t>The lval of c is the address in memory </a:t>
-            </a:r>
-            <a:endParaRPr/>
+              <a:t>the address in </a:t>
+            </a:r>
+            <a:r>
+              <a:rPr lang="en" dirty="0"/>
+              <a:t>memory </a:t>
+            </a:r>
+            <a:endParaRPr dirty="0"/>
           </a:p>
           <a:p>
             <a:pPr marL="457200" lvl="0" indent="-325755" algn="l" rtl="0">
@@ -8889,13 +8917,21 @@
               <a:buChar char="●"/>
             </a:pPr>
             <a:r>
-              <a:rPr lang="en"/>
-              <a:t>The rval of c is the value located at that address in memory</a:t>
+              <a:rPr lang="en" dirty="0"/>
+              <a:t>The </a:t>
+            </a:r>
+            <a:r>
+              <a:rPr lang="en" dirty="0" err="1"/>
+              <a:t>rval</a:t>
+            </a:r>
+            <a:r>
+              <a:rPr lang="en" dirty="0"/>
+              <a:t> of c is the value located at that address in memory</a:t>
             </a:r>
             <a:br>
-              <a:rPr lang="en"/>
+              <a:rPr lang="en" dirty="0"/>
             </a:br>
-            <a:endParaRPr/>
+            <a:endParaRPr dirty="0"/>
           </a:p>
           <a:p>
             <a:pPr marL="457200" lvl="0" indent="-325755" algn="l" rtl="0">
@@ -8909,10 +8945,18 @@
               <a:buChar char="●"/>
             </a:pPr>
             <a:r>
-              <a:rPr lang="en"/>
-              <a:t>The rval can be a "integer", "float", "char", etc.</a:t>
-            </a:r>
-            <a:endParaRPr/>
+              <a:rPr lang="en" dirty="0"/>
+              <a:t>The </a:t>
+            </a:r>
+            <a:r>
+              <a:rPr lang="en" dirty="0" err="1"/>
+              <a:t>rval</a:t>
+            </a:r>
+            <a:r>
+              <a:rPr lang="en" dirty="0"/>
+              <a:t> can be a "integer", "float", "char", etc.</a:t>
+            </a:r>
+            <a:endParaRPr dirty="0"/>
           </a:p>
           <a:p>
             <a:pPr marL="457200" lvl="0" indent="-325755" algn="l" rtl="0">
@@ -8926,10 +8970,18 @@
               <a:buChar char="●"/>
             </a:pPr>
             <a:r>
-              <a:rPr lang="en"/>
-              <a:t>If the rval is an address, than it is known as a "pointer"</a:t>
-            </a:r>
-            <a:endParaRPr/>
+              <a:rPr lang="en" dirty="0"/>
+              <a:t>If the </a:t>
+            </a:r>
+            <a:r>
+              <a:rPr lang="en" dirty="0" err="1"/>
+              <a:t>rval</a:t>
+            </a:r>
+            <a:r>
+              <a:rPr lang="en" dirty="0"/>
+              <a:t> is an address, than it is known as a "pointer"</a:t>
+            </a:r>
+            <a:endParaRPr dirty="0"/>
           </a:p>
           <a:p>
             <a:pPr marL="0" lvl="0" indent="0" algn="l" rtl="0">
@@ -8942,10 +8994,10 @@
               <a:buNone/>
             </a:pPr>
             <a:r>
-              <a:rPr lang="en"/>
+              <a:rPr lang="en" dirty="0"/>
               <a:t>		int * p  = &amp; c;</a:t>
             </a:r>
-            <a:endParaRPr/>
+            <a:endParaRPr dirty="0"/>
           </a:p>
           <a:p>
             <a:pPr marL="457200" lvl="0" indent="-325755" algn="l" rtl="0">
@@ -8959,10 +9011,10 @@
               <a:buChar char="●"/>
             </a:pPr>
             <a:r>
-              <a:rPr lang="en"/>
+              <a:rPr lang="en" dirty="0"/>
               <a:t>Hold that thought!    (* p ) == 2</a:t>
             </a:r>
-            <a:endParaRPr/>
+            <a:endParaRPr dirty="0"/>
           </a:p>
         </p:txBody>
       </p:sp>
